--- a/Gait segmentation/Segmentation.pptx
+++ b/Gait segmentation/Segmentation.pptx
@@ -7,9 +7,10 @@
   <p:sldIdLst>
     <p:sldId id="256" r:id="rId2"/>
     <p:sldId id="257" r:id="rId3"/>
-    <p:sldId id="258" r:id="rId4"/>
-    <p:sldId id="259" r:id="rId5"/>
-    <p:sldId id="260" r:id="rId6"/>
+    <p:sldId id="261" r:id="rId4"/>
+    <p:sldId id="262" r:id="rId5"/>
+    <p:sldId id="263" r:id="rId6"/>
+    <p:sldId id="260" r:id="rId7"/>
   </p:sldIdLst>
   <p:sldSz cx="12192000" cy="6858000"/>
   <p:notesSz cx="6858000" cy="9144000"/>
@@ -4393,14 +4394,14 @@
         <p:spPr>
           <a:xfrm>
             <a:off x="656213" y="1776952"/>
-            <a:ext cx="11663001" cy="3323987"/>
+            <a:ext cx="11535787" cy="5047536"/>
           </a:xfrm>
           <a:prstGeom prst="rect">
             <a:avLst/>
           </a:prstGeom>
         </p:spPr>
         <p:txBody>
-          <a:bodyPr wrap="none">
+          <a:bodyPr wrap="square">
             <a:spAutoFit/>
           </a:bodyPr>
           <a:lstStyle/>
@@ -4425,7 +4426,15 @@
             </a:pPr>
             <a:r>
               <a:rPr lang="en-US" sz="1400" dirty="0"/>
-              <a:t>It removes the first 2 meters of trial, assuming this signal can be noisy (95-114)</a:t>
+              <a:t>It </a:t>
+            </a:r>
+            <a:r>
+              <a:rPr lang="en-US" sz="1400" dirty="0" smtClean="0"/>
+              <a:t>takes all the frames contained in the signal (95-114</a:t>
+            </a:r>
+            <a:r>
+              <a:rPr lang="en-US" sz="1400" dirty="0"/>
+              <a:t>)</a:t>
             </a:r>
           </a:p>
           <a:p>
@@ -4440,8 +4449,13 @@
             </a:pPr>
             <a:r>
               <a:rPr lang="en-US" sz="1400" dirty="0"/>
-              <a:t>Check for axis inversion, by displaying AV left and right shank, y axis. If the user agrees to invert axes, all x and y ACC and AV are changing sign (129-138)</a:t>
-            </a:r>
+              <a:t>Check for axis inversion, by displaying AV left and right shank, y axis. If the user agrees to invert axes, all x and y ACC and AV are changing sign (</a:t>
+            </a:r>
+            <a:r>
+              <a:rPr lang="en-US" sz="1400" dirty="0" smtClean="0"/>
+              <a:t>129-145)</a:t>
+            </a:r>
+            <a:endParaRPr lang="en-US" sz="1400" dirty="0"/>
           </a:p>
           <a:p>
             <a:pPr marL="342900" indent="-342900">
@@ -4470,7 +4484,15 @@
             </a:pPr>
             <a:r>
               <a:rPr lang="en-US" sz="1400" dirty="0"/>
-              <a:t>Detects heel strike using x left and right foot </a:t>
+              <a:t>Detects heel strike using x left and </a:t>
+            </a:r>
+            <a:r>
+              <a:rPr lang="en-US" sz="1400" dirty="0" smtClean="0"/>
+              <a:t>right x </a:t>
+            </a:r>
+            <a:r>
+              <a:rPr lang="en-US" sz="1400" dirty="0"/>
+              <a:t>foot </a:t>
             </a:r>
             <a:r>
               <a:rPr lang="en-US" sz="1400" dirty="0" err="1"/>
@@ -4478,7 +4500,11 @@
             </a:r>
             <a:r>
               <a:rPr lang="en-US" sz="1400" dirty="0"/>
-              <a:t> + plot of the segmentation with the possibility to manually pick the peaks (161-198)</a:t>
+              <a:t> </a:t>
+            </a:r>
+            <a:r>
+              <a:rPr lang="en-US" sz="1400" dirty="0" smtClean="0"/>
+              <a:t>(168-177)</a:t>
             </a:r>
           </a:p>
           <a:p>
@@ -4492,16 +4518,12 @@
               <a:buAutoNum type="arabicPeriod"/>
             </a:pPr>
             <a:r>
-              <a:rPr lang="en-US" sz="1400" dirty="0"/>
-              <a:t>Toe off detection using the heel strikes and the x left and right foot </a:t>
-            </a:r>
-            <a:r>
-              <a:rPr lang="en-US" sz="1400" dirty="0" err="1"/>
-              <a:t>Pos</a:t>
-            </a:r>
-            <a:r>
-              <a:rPr lang="en-US" sz="1400" dirty="0"/>
-              <a:t> (200-210)</a:t>
+              <a:rPr lang="en-US" sz="1400" u="sng" dirty="0" smtClean="0"/>
+              <a:t>If the gait tasks are 2MWT or 6MWT</a:t>
+            </a:r>
+            <a:r>
+              <a:rPr lang="en-US" sz="1400" dirty="0" smtClean="0"/>
+              <a:t>, a plot with only the right x position with the automatic detected peaks is provided (177-189)</a:t>
             </a:r>
           </a:p>
           <a:p>
@@ -4515,8 +4537,30 @@
               <a:buAutoNum type="arabicPeriod"/>
             </a:pPr>
             <a:r>
+              <a:rPr lang="en-US" sz="1400" u="sng" dirty="0"/>
+              <a:t>If the gait tasks are 2MWT or 6MWT</a:t>
+            </a:r>
+            <a:r>
               <a:rPr lang="en-US" sz="1400" dirty="0"/>
-              <a:t>Segmentation and interpolation of all the available data (213-246)</a:t>
+              <a:t>, </a:t>
+            </a:r>
+            <a:r>
+              <a:rPr lang="en-US" sz="1400" dirty="0" smtClean="0"/>
+              <a:t>it is asked if the automatic segmentation on the right side is correct. Two options are provided, ‘delete some peaks’ and ‘add some peaks’, and in both cases it is asked the user to identify a point on the vertical axis that will be used as filter for the peaks.</a:t>
+            </a:r>
+            <a:br>
+              <a:rPr lang="en-US" sz="1400" dirty="0" smtClean="0"/>
+            </a:br>
+            <a:r>
+              <a:rPr lang="en-US" sz="1400" dirty="0" smtClean="0"/>
+              <a:t>In case the option ‘delete some peaks’ will be identified, the automatic detected peaks will be further filtered removing those below the y level indicated by the user (196-207)</a:t>
+            </a:r>
+            <a:br>
+              <a:rPr lang="en-US" sz="1400" dirty="0" smtClean="0"/>
+            </a:br>
+            <a:r>
+              <a:rPr lang="en-US" sz="1400" dirty="0" smtClean="0"/>
+              <a:t>In case the option ‘add some peaks’ is selected, all the peaks are detected again and then filtered based on the y level indicated by the user (209-220)</a:t>
             </a:r>
           </a:p>
           <a:p>
@@ -4530,16 +4574,42 @@
               <a:buAutoNum type="arabicPeriod"/>
             </a:pPr>
             <a:r>
-              <a:rPr lang="en-US" sz="1400" dirty="0"/>
-              <a:t>Saving and plotting (249-329)</a:t>
-            </a:r>
+              <a:rPr lang="en-US" sz="1400" u="sng" dirty="0"/>
+              <a:t>If the gait tasks are 2MWT or 6MWT</a:t>
+            </a:r>
+            <a:r>
+              <a:rPr lang="en-US" sz="1400" dirty="0" smtClean="0"/>
+              <a:t>, the final peaks are displayed once again to the user. If the user is not satisfied, there is no way to further modify the peaks, so the user should stop the code and repeat. If the user agrees, a click on the figure should allow the code to proceed (228-236)</a:t>
+            </a:r>
+          </a:p>
+          <a:p>
+            <a:pPr marL="342900" indent="-342900">
+              <a:buAutoNum type="arabicPeriod"/>
+            </a:pPr>
+            <a:endParaRPr lang="en-US" sz="1400" dirty="0"/>
+          </a:p>
+          <a:p>
+            <a:pPr marL="342900" indent="-342900">
+              <a:buAutoNum type="arabicPeriod"/>
+            </a:pPr>
+            <a:r>
+              <a:rPr lang="en-US" sz="1400" u="sng" dirty="0"/>
+              <a:t>If the gait tasks are 2MWT or 6MWT</a:t>
+            </a:r>
+            <a:r>
+              <a:rPr lang="en-US" sz="1400" dirty="0" smtClean="0"/>
+              <a:t>, the steps 6-7-8 are repeated for the left side (236-302)</a:t>
+            </a:r>
+          </a:p>
+          <a:p>
+            <a:endParaRPr lang="en-US" sz="1400" dirty="0"/>
           </a:p>
         </p:txBody>
       </p:sp>
     </p:spTree>
     <p:extLst>
       <p:ext uri="{BB962C8B-B14F-4D97-AF65-F5344CB8AC3E}">
-        <p14:creationId xmlns:p14="http://schemas.microsoft.com/office/powerpoint/2010/main" val="770216573"/>
+        <p14:creationId xmlns:p14="http://schemas.microsoft.com/office/powerpoint/2010/main" val="3340711520"/>
       </p:ext>
     </p:extLst>
   </p:cSld>
@@ -4550,6 +4620,288 @@
 </file>
 
 <file path=ppt/slides/slide4.xml><?xml version="1.0" encoding="utf-8"?>
+<p:sld xmlns:a="http://schemas.openxmlformats.org/drawingml/2006/main" xmlns:r="http://schemas.openxmlformats.org/officeDocument/2006/relationships" xmlns:p="http://schemas.openxmlformats.org/presentationml/2006/main">
+  <p:cSld>
+    <p:spTree>
+      <p:nvGrpSpPr>
+        <p:cNvPr id="1" name=""/>
+        <p:cNvGrpSpPr/>
+        <p:nvPr/>
+      </p:nvGrpSpPr>
+      <p:grpSpPr>
+        <a:xfrm>
+          <a:off x="0" y="0"/>
+          <a:ext cx="0" cy="0"/>
+          <a:chOff x="0" y="0"/>
+          <a:chExt cx="0" cy="0"/>
+        </a:xfrm>
+      </p:grpSpPr>
+      <p:sp>
+        <p:nvSpPr>
+          <p:cNvPr id="2" name="Title 1"/>
+          <p:cNvSpPr>
+            <a:spLocks noGrp="1"/>
+          </p:cNvSpPr>
+          <p:nvPr>
+            <p:ph type="title"/>
+          </p:nvPr>
+        </p:nvSpPr>
+        <p:spPr/>
+        <p:txBody>
+          <a:bodyPr/>
+          <a:lstStyle/>
+          <a:p>
+            <a:r>
+              <a:rPr lang="en-US" dirty="0"/>
+              <a:t>Brief code description (code lines</a:t>
+            </a:r>
+            <a:r>
+              <a:rPr lang="en-US" dirty="0" smtClean="0"/>
+              <a:t>) – pt2</a:t>
+            </a:r>
+            <a:endParaRPr lang="en-US" dirty="0"/>
+          </a:p>
+        </p:txBody>
+      </p:sp>
+      <p:sp>
+        <p:nvSpPr>
+          <p:cNvPr id="3" name="Rectangle 2"/>
+          <p:cNvSpPr/>
+          <p:nvPr/>
+        </p:nvSpPr>
+        <p:spPr>
+          <a:xfrm>
+            <a:off x="656213" y="1776952"/>
+            <a:ext cx="11535787" cy="4185761"/>
+          </a:xfrm>
+          <a:prstGeom prst="rect">
+            <a:avLst/>
+          </a:prstGeom>
+        </p:spPr>
+        <p:txBody>
+          <a:bodyPr wrap="square">
+            <a:spAutoFit/>
+          </a:bodyPr>
+          <a:lstStyle/>
+          <a:p>
+            <a:pPr marL="342900" indent="-342900">
+              <a:buFont typeface="+mj-lt"/>
+              <a:buAutoNum type="arabicPeriod" startAt="10"/>
+            </a:pPr>
+            <a:r>
+              <a:rPr lang="en-US" sz="1400" u="sng" dirty="0" smtClean="0"/>
+              <a:t>If </a:t>
+            </a:r>
+            <a:r>
+              <a:rPr lang="en-US" sz="1400" u="sng" dirty="0"/>
+              <a:t>the gait tasks </a:t>
+            </a:r>
+            <a:r>
+              <a:rPr lang="en-US" sz="1400" u="sng" dirty="0" smtClean="0"/>
+              <a:t>is a 10MWT, </a:t>
+            </a:r>
+            <a:r>
+              <a:rPr lang="en-US" sz="1400" dirty="0" smtClean="0"/>
+              <a:t>the automatic segmentation is displayed  in one unique figure overlapping the left and right side (304-320)</a:t>
+            </a:r>
+          </a:p>
+          <a:p>
+            <a:pPr marL="342900" indent="-342900">
+              <a:buAutoNum type="arabicPeriod" startAt="10"/>
+            </a:pPr>
+            <a:endParaRPr lang="en-US" sz="1400" dirty="0"/>
+          </a:p>
+          <a:p>
+            <a:pPr marL="342900" indent="-342900">
+              <a:buFontTx/>
+              <a:buAutoNum type="arabicPeriod" startAt="10"/>
+            </a:pPr>
+            <a:r>
+              <a:rPr lang="en-US" sz="1400" u="sng" dirty="0"/>
+              <a:t>If the gait tasks is a 10MWT, </a:t>
+            </a:r>
+            <a:r>
+              <a:rPr lang="en-US" sz="1400" dirty="0" smtClean="0"/>
+              <a:t>the user is asked to confirm of modify the automatic peak detection on the right side. Three options are provided, ‘delete peaks’, ‘add peaks’, and ‘select all peaks again’</a:t>
+            </a:r>
+            <a:br>
+              <a:rPr lang="en-US" sz="1400" dirty="0" smtClean="0"/>
+            </a:br>
+            <a:r>
+              <a:rPr lang="en-US" sz="1400" dirty="0" smtClean="0"/>
+              <a:t>In case </a:t>
+            </a:r>
+            <a:r>
+              <a:rPr lang="en-US" sz="1400" dirty="0"/>
+              <a:t>‘select all peaks again</a:t>
+            </a:r>
+            <a:r>
+              <a:rPr lang="en-US" sz="1400" dirty="0" smtClean="0"/>
+              <a:t>’ is selected, the user is asked to detect all the peaks on the right side again, in order (321-337)</a:t>
+            </a:r>
+            <a:br>
+              <a:rPr lang="en-US" sz="1400" dirty="0" smtClean="0"/>
+            </a:br>
+            <a:r>
+              <a:rPr lang="en-US" sz="1400" dirty="0" smtClean="0"/>
+              <a:t>In case ‘add peaks’ is selected, the user is asked to add peaks the automatic detection missed; a specific order is not required (338-351)</a:t>
+            </a:r>
+            <a:br>
+              <a:rPr lang="en-US" sz="1400" dirty="0" smtClean="0"/>
+            </a:br>
+            <a:r>
+              <a:rPr lang="en-US" sz="1400" dirty="0" smtClean="0"/>
+              <a:t>In case ‘delete peaks’ is detected, the user can detect some peaks automatically selected to be deleted. The code will automatically detect the closest peaks to the position of the user, and delete them (352-369)</a:t>
+            </a:r>
+            <a:r>
+              <a:rPr lang="en-US" sz="1400" u="sng" dirty="0"/>
+              <a:t> </a:t>
+            </a:r>
+            <a:endParaRPr lang="en-US" sz="1400" u="sng" dirty="0" smtClean="0"/>
+          </a:p>
+          <a:p>
+            <a:pPr marL="342900" indent="-342900">
+              <a:buFontTx/>
+              <a:buAutoNum type="arabicPeriod" startAt="10"/>
+            </a:pPr>
+            <a:endParaRPr lang="en-US" sz="1400" u="sng" dirty="0"/>
+          </a:p>
+          <a:p>
+            <a:pPr marL="342900" indent="-342900">
+              <a:buFontTx/>
+              <a:buAutoNum type="arabicPeriod" startAt="10"/>
+            </a:pPr>
+            <a:r>
+              <a:rPr lang="en-US" sz="1400" u="sng" dirty="0" smtClean="0"/>
+              <a:t>If </a:t>
+            </a:r>
+            <a:r>
+              <a:rPr lang="en-US" sz="1400" u="sng" dirty="0"/>
+              <a:t>the gait tasks is a 10MWT</a:t>
+            </a:r>
+            <a:r>
+              <a:rPr lang="en-US" sz="1400" dirty="0"/>
+              <a:t>, the steps 6-7-8 are repeated for the left side (370-420)</a:t>
+            </a:r>
+          </a:p>
+          <a:p>
+            <a:endParaRPr lang="en-US" sz="1400" dirty="0"/>
+          </a:p>
+          <a:p>
+            <a:pPr marL="342900" indent="-342900">
+              <a:buFont typeface="+mj-lt"/>
+              <a:buAutoNum type="arabicPeriod" startAt="13"/>
+            </a:pPr>
+            <a:r>
+              <a:rPr lang="en-US" sz="1400" u="sng" dirty="0"/>
+              <a:t>If the gait tasks is a 10MWT</a:t>
+            </a:r>
+            <a:r>
+              <a:rPr lang="en-US" sz="1400" dirty="0" smtClean="0"/>
+              <a:t>, </a:t>
+            </a:r>
+            <a:r>
+              <a:rPr lang="en-US" sz="1400" dirty="0"/>
+              <a:t>the final peaks are displayed once again to the user. If the user is not satisfied, there is no way to further modify the peaks, so the user should stop the code and repeat. If the user agrees, a click on the figure should allow the code to </a:t>
+            </a:r>
+            <a:r>
+              <a:rPr lang="en-US" sz="1400" dirty="0" smtClean="0"/>
+              <a:t>proceed</a:t>
+            </a:r>
+            <a:r>
+              <a:rPr lang="en-US" sz="1400" dirty="0"/>
+              <a:t> </a:t>
+            </a:r>
+            <a:r>
+              <a:rPr lang="en-US" sz="1400" dirty="0" smtClean="0"/>
+              <a:t>(421-447)</a:t>
+            </a:r>
+            <a:endParaRPr lang="en-US" sz="1400" dirty="0"/>
+          </a:p>
+          <a:p>
+            <a:pPr marL="342900" indent="-342900">
+              <a:buAutoNum type="arabicPeriod" startAt="13"/>
+            </a:pPr>
+            <a:endParaRPr lang="en-US" sz="1400" dirty="0"/>
+          </a:p>
+          <a:p>
+            <a:pPr marL="342900" indent="-342900">
+              <a:buAutoNum type="arabicPeriod" startAt="13"/>
+            </a:pPr>
+            <a:r>
+              <a:rPr lang="en-US" sz="1400" dirty="0"/>
+              <a:t>Toe off detection using the heel strikes and the x left and right foot </a:t>
+            </a:r>
+            <a:r>
+              <a:rPr lang="en-US" sz="1400" dirty="0" err="1"/>
+              <a:t>Pos</a:t>
+            </a:r>
+            <a:r>
+              <a:rPr lang="en-US" sz="1400" dirty="0"/>
+              <a:t> </a:t>
+            </a:r>
+            <a:r>
+              <a:rPr lang="en-US" sz="1400" dirty="0" smtClean="0"/>
+              <a:t>(450-440)</a:t>
+            </a:r>
+            <a:endParaRPr lang="en-US" sz="1400" dirty="0"/>
+          </a:p>
+          <a:p>
+            <a:pPr marL="342900" indent="-342900">
+              <a:buAutoNum type="arabicPeriod" startAt="13"/>
+            </a:pPr>
+            <a:endParaRPr lang="en-US" sz="1400" dirty="0"/>
+          </a:p>
+          <a:p>
+            <a:pPr marL="342900" indent="-342900">
+              <a:buAutoNum type="arabicPeriod" startAt="13"/>
+            </a:pPr>
+            <a:r>
+              <a:rPr lang="en-US" sz="1400" dirty="0"/>
+              <a:t>Segmentation and interpolation of all the available data </a:t>
+            </a:r>
+            <a:r>
+              <a:rPr lang="en-US" sz="1400" dirty="0" smtClean="0"/>
+              <a:t>(464-496)</a:t>
+            </a:r>
+            <a:endParaRPr lang="en-US" sz="1400" dirty="0"/>
+          </a:p>
+          <a:p>
+            <a:pPr marL="342900" indent="-342900">
+              <a:buAutoNum type="arabicPeriod" startAt="13"/>
+            </a:pPr>
+            <a:endParaRPr lang="en-US" sz="1400" dirty="0"/>
+          </a:p>
+          <a:p>
+            <a:pPr marL="342900" indent="-342900">
+              <a:buAutoNum type="arabicPeriod" startAt="13"/>
+            </a:pPr>
+            <a:r>
+              <a:rPr lang="en-US" sz="1400" dirty="0"/>
+              <a:t>Saving and plotting </a:t>
+            </a:r>
+            <a:r>
+              <a:rPr lang="en-US" sz="1400" dirty="0" smtClean="0"/>
+              <a:t>(499-579)</a:t>
+            </a:r>
+            <a:endParaRPr lang="en-US" sz="1400" dirty="0"/>
+          </a:p>
+        </p:txBody>
+      </p:sp>
+    </p:spTree>
+    <p:extLst>
+      <p:ext uri="{BB962C8B-B14F-4D97-AF65-F5344CB8AC3E}">
+        <p14:creationId xmlns:p14="http://schemas.microsoft.com/office/powerpoint/2010/main" val="2704256885"/>
+      </p:ext>
+    </p:extLst>
+  </p:cSld>
+  <p:clrMapOvr>
+    <a:masterClrMapping/>
+  </p:clrMapOvr>
+</p:sld>
+</file>
+
+<file path=ppt/slides/slide5.xml><?xml version="1.0" encoding="utf-8"?>
 <p:sld xmlns:a="http://schemas.openxmlformats.org/drawingml/2006/main" xmlns:r="http://schemas.openxmlformats.org/officeDocument/2006/relationships" xmlns:p="http://schemas.openxmlformats.org/presentationml/2006/main">
   <p:cSld>
     <p:spTree>
@@ -4690,8 +5042,13 @@
             <a:pPr algn="ctr"/>
             <a:r>
               <a:rPr lang="en-US" dirty="0"/>
-              <a:t>Peak detection</a:t>
-            </a:r>
+              <a:t>Peak </a:t>
+            </a:r>
+            <a:r>
+              <a:rPr lang="en-US" dirty="0" smtClean="0"/>
+              <a:t>detection*</a:t>
+            </a:r>
+            <a:endParaRPr lang="en-US" dirty="0"/>
           </a:p>
           <a:p>
             <a:pPr algn="ctr"/>
@@ -4803,10 +5160,44 @@
           </a:prstGeom>
         </p:spPr>
       </p:pic>
+      <p:sp>
+        <p:nvSpPr>
+          <p:cNvPr id="10" name="TextBox 9"/>
+          <p:cNvSpPr txBox="1"/>
+          <p:nvPr/>
+        </p:nvSpPr>
+        <p:spPr>
+          <a:xfrm>
+            <a:off x="4143188" y="1367522"/>
+            <a:ext cx="3518059" cy="646331"/>
+          </a:xfrm>
+          <a:prstGeom prst="rect">
+            <a:avLst/>
+          </a:prstGeom>
+          <a:noFill/>
+        </p:spPr>
+        <p:txBody>
+          <a:bodyPr wrap="square" rtlCol="0">
+            <a:spAutoFit/>
+          </a:bodyPr>
+          <a:lstStyle/>
+          <a:p>
+            <a:pPr algn="just"/>
+            <a:r>
+              <a:rPr lang="en-US" sz="1200" b="1" dirty="0" smtClean="0">
+                <a:solidFill>
+                  <a:srgbClr val="FF0000"/>
+                </a:solidFill>
+              </a:rPr>
+              <a:t>*Attention: this part has been updated, read the code description to understand how to deal with it (points 7 and 11)</a:t>
+            </a:r>
+          </a:p>
+        </p:txBody>
+      </p:sp>
     </p:spTree>
     <p:extLst>
       <p:ext uri="{BB962C8B-B14F-4D97-AF65-F5344CB8AC3E}">
-        <p14:creationId xmlns:p14="http://schemas.microsoft.com/office/powerpoint/2010/main" val="3510753448"/>
+        <p14:creationId xmlns:p14="http://schemas.microsoft.com/office/powerpoint/2010/main" val="19401487"/>
       </p:ext>
     </p:extLst>
   </p:cSld>
@@ -4930,7 +5321,7 @@
 </p:sld>
 </file>
 
-<file path=ppt/slides/slide5.xml><?xml version="1.0" encoding="utf-8"?>
+<file path=ppt/slides/slide6.xml><?xml version="1.0" encoding="utf-8"?>
 <p:sld xmlns:a="http://schemas.openxmlformats.org/drawingml/2006/main" xmlns:r="http://schemas.openxmlformats.org/officeDocument/2006/relationships" xmlns:p="http://schemas.openxmlformats.org/presentationml/2006/main">
   <p:cSld>
     <p:spTree>

--- a/Gait segmentation/Segmentation.pptx
+++ b/Gait segmentation/Segmentation.pptx
@@ -109,6 +109,11 @@
       </a:defRPr>
     </a:lvl9pPr>
   </p:defaultTextStyle>
+  <p:extLst>
+    <p:ext uri="{EFAFB233-063F-42B5-8137-9DF3F51BA10A}">
+      <p15:sldGuideLst xmlns:p15="http://schemas.microsoft.com/office/powerpoint/2012/main"/>
+    </p:ext>
+  </p:extLst>
 </p:presentation>
 </file>
 
@@ -243,7 +248,7 @@
           <a:p>
             <a:fld id="{CF482471-F9B4-4581-83EE-DC743C3498DE}" type="datetimeFigureOut">
               <a:rPr lang="en-US" smtClean="0"/>
-              <a:t>11/22/2024</a:t>
+              <a:t>12/18/2024</a:t>
             </a:fld>
             <a:endParaRPr lang="en-US"/>
           </a:p>
@@ -413,7 +418,7 @@
           <a:p>
             <a:fld id="{CF482471-F9B4-4581-83EE-DC743C3498DE}" type="datetimeFigureOut">
               <a:rPr lang="en-US" smtClean="0"/>
-              <a:t>11/22/2024</a:t>
+              <a:t>12/18/2024</a:t>
             </a:fld>
             <a:endParaRPr lang="en-US"/>
           </a:p>
@@ -593,7 +598,7 @@
           <a:p>
             <a:fld id="{CF482471-F9B4-4581-83EE-DC743C3498DE}" type="datetimeFigureOut">
               <a:rPr lang="en-US" smtClean="0"/>
-              <a:t>11/22/2024</a:t>
+              <a:t>12/18/2024</a:t>
             </a:fld>
             <a:endParaRPr lang="en-US"/>
           </a:p>
@@ -763,7 +768,7 @@
           <a:p>
             <a:fld id="{CF482471-F9B4-4581-83EE-DC743C3498DE}" type="datetimeFigureOut">
               <a:rPr lang="en-US" smtClean="0"/>
-              <a:t>11/22/2024</a:t>
+              <a:t>12/18/2024</a:t>
             </a:fld>
             <a:endParaRPr lang="en-US"/>
           </a:p>
@@ -1009,7 +1014,7 @@
           <a:p>
             <a:fld id="{CF482471-F9B4-4581-83EE-DC743C3498DE}" type="datetimeFigureOut">
               <a:rPr lang="en-US" smtClean="0"/>
-              <a:t>11/22/2024</a:t>
+              <a:t>12/18/2024</a:t>
             </a:fld>
             <a:endParaRPr lang="en-US"/>
           </a:p>
@@ -1241,7 +1246,7 @@
           <a:p>
             <a:fld id="{CF482471-F9B4-4581-83EE-DC743C3498DE}" type="datetimeFigureOut">
               <a:rPr lang="en-US" smtClean="0"/>
-              <a:t>11/22/2024</a:t>
+              <a:t>12/18/2024</a:t>
             </a:fld>
             <a:endParaRPr lang="en-US"/>
           </a:p>
@@ -1608,7 +1613,7 @@
           <a:p>
             <a:fld id="{CF482471-F9B4-4581-83EE-DC743C3498DE}" type="datetimeFigureOut">
               <a:rPr lang="en-US" smtClean="0"/>
-              <a:t>11/22/2024</a:t>
+              <a:t>12/18/2024</a:t>
             </a:fld>
             <a:endParaRPr lang="en-US"/>
           </a:p>
@@ -1726,7 +1731,7 @@
           <a:p>
             <a:fld id="{CF482471-F9B4-4581-83EE-DC743C3498DE}" type="datetimeFigureOut">
               <a:rPr lang="en-US" smtClean="0"/>
-              <a:t>11/22/2024</a:t>
+              <a:t>12/18/2024</a:t>
             </a:fld>
             <a:endParaRPr lang="en-US"/>
           </a:p>
@@ -1821,7 +1826,7 @@
           <a:p>
             <a:fld id="{CF482471-F9B4-4581-83EE-DC743C3498DE}" type="datetimeFigureOut">
               <a:rPr lang="en-US" smtClean="0"/>
-              <a:t>11/22/2024</a:t>
+              <a:t>12/18/2024</a:t>
             </a:fld>
             <a:endParaRPr lang="en-US"/>
           </a:p>
@@ -2098,7 +2103,7 @@
           <a:p>
             <a:fld id="{CF482471-F9B4-4581-83EE-DC743C3498DE}" type="datetimeFigureOut">
               <a:rPr lang="en-US" smtClean="0"/>
-              <a:t>11/22/2024</a:t>
+              <a:t>12/18/2024</a:t>
             </a:fld>
             <a:endParaRPr lang="en-US"/>
           </a:p>
@@ -2351,7 +2356,7 @@
           <a:p>
             <a:fld id="{CF482471-F9B4-4581-83EE-DC743C3498DE}" type="datetimeFigureOut">
               <a:rPr lang="en-US" smtClean="0"/>
-              <a:t>11/22/2024</a:t>
+              <a:t>12/18/2024</a:t>
             </a:fld>
             <a:endParaRPr lang="en-US"/>
           </a:p>
@@ -2564,7 +2569,7 @@
           <a:p>
             <a:fld id="{CF482471-F9B4-4581-83EE-DC743C3498DE}" type="datetimeFigureOut">
               <a:rPr lang="en-US" smtClean="0"/>
-              <a:t>11/22/2024</a:t>
+              <a:t>12/18/2024</a:t>
             </a:fld>
             <a:endParaRPr lang="en-US"/>
           </a:p>
@@ -4394,7 +4399,7 @@
         <p:spPr>
           <a:xfrm>
             <a:off x="656213" y="1776952"/>
-            <a:ext cx="11535787" cy="5047536"/>
+            <a:ext cx="11535787" cy="5262979"/>
           </a:xfrm>
           <a:prstGeom prst="rect">
             <a:avLst/>
@@ -4458,10 +4463,42 @@
             <a:endParaRPr lang="en-US" sz="1400" dirty="0"/>
           </a:p>
           <a:p>
-            <a:pPr marL="342900" indent="-342900">
-              <a:buAutoNum type="arabicPeriod"/>
-            </a:pPr>
-            <a:endParaRPr lang="en-US" sz="1400" dirty="0"/>
+            <a:r>
+              <a:rPr lang="en-US" sz="1400" dirty="0" smtClean="0">
+                <a:solidFill>
+                  <a:srgbClr val="FF0000"/>
+                </a:solidFill>
+              </a:rPr>
+              <a:t>-</a:t>
+            </a:r>
+            <a:r>
+              <a:rPr lang="en-US" sz="1400" b="1" dirty="0" smtClean="0">
+                <a:solidFill>
+                  <a:srgbClr val="FF0000"/>
+                </a:solidFill>
+              </a:rPr>
+              <a:t>EDIT: the lines actually inverting the signs are now commented.  </a:t>
+            </a:r>
+            <a:br>
+              <a:rPr lang="en-US" sz="1400" b="1" dirty="0" smtClean="0">
+                <a:solidFill>
+                  <a:srgbClr val="FF0000"/>
+                </a:solidFill>
+              </a:rPr>
+            </a:br>
+            <a:r>
+              <a:rPr lang="en-US" sz="1400" b="1" dirty="0" smtClean="0">
+                <a:solidFill>
+                  <a:srgbClr val="FF0000"/>
+                </a:solidFill>
+              </a:rPr>
+              <a:t>The user can write in a separate file if the inversion should be needed and eventually do separately-  </a:t>
+            </a:r>
+            <a:endParaRPr lang="en-US" sz="1400" dirty="0">
+              <a:solidFill>
+                <a:srgbClr val="FF0000"/>
+              </a:solidFill>
+            </a:endParaRPr>
           </a:p>
           <a:p>
             <a:pPr marL="342900" indent="-342900">
